--- a/trunk/docu/arch.pptx
+++ b/trunk/docu/arch.pptx
@@ -4,10 +4,14 @@
   <p:sldMasterIdLst>
     <p:sldMasterId id="2147483648" r:id="rId1"/>
   </p:sldMasterIdLst>
+  <p:notesMasterIdLst>
+    <p:notesMasterId r:id="rId6"/>
+  </p:notesMasterIdLst>
   <p:sldIdLst>
     <p:sldId id="256" r:id="rId2"/>
     <p:sldId id="257" r:id="rId3"/>
     <p:sldId id="258" r:id="rId4"/>
+    <p:sldId id="259" r:id="rId5"/>
   </p:sldIdLst>
   <p:sldSz cx="9144000" cy="6858000" type="screen4x3"/>
   <p:notesSz cx="6858000" cy="9144000"/>
@@ -109,6 +113,722 @@
 </p:presentation>
 </file>
 
+<file path=ppt/notesMasters/notesMaster1.xml><?xml version="1.0" encoding="utf-8"?>
+<p:notesMaster xmlns:a="http://schemas.openxmlformats.org/drawingml/2006/main" xmlns:r="http://schemas.openxmlformats.org/officeDocument/2006/relationships" xmlns:p="http://schemas.openxmlformats.org/presentationml/2006/main">
+  <p:cSld>
+    <p:bg>
+      <p:bgRef idx="1001">
+        <a:schemeClr val="bg1"/>
+      </p:bgRef>
+    </p:bg>
+    <p:spTree>
+      <p:nvGrpSpPr>
+        <p:cNvPr id="1" name=""/>
+        <p:cNvGrpSpPr/>
+        <p:nvPr/>
+      </p:nvGrpSpPr>
+      <p:grpSpPr>
+        <a:xfrm>
+          <a:off x="0" y="0"/>
+          <a:ext cx="0" cy="0"/>
+          <a:chOff x="0" y="0"/>
+          <a:chExt cx="0" cy="0"/>
+        </a:xfrm>
+      </p:grpSpPr>
+      <p:sp>
+        <p:nvSpPr>
+          <p:cNvPr id="2" name="页眉占位符 1"/>
+          <p:cNvSpPr>
+            <a:spLocks noGrp="1"/>
+          </p:cNvSpPr>
+          <p:nvPr>
+            <p:ph type="hdr" sz="quarter"/>
+          </p:nvPr>
+        </p:nvSpPr>
+        <p:spPr>
+          <a:xfrm>
+            <a:off x="0" y="0"/>
+            <a:ext cx="2971800" cy="457200"/>
+          </a:xfrm>
+          <a:prstGeom prst="rect">
+            <a:avLst/>
+          </a:prstGeom>
+        </p:spPr>
+        <p:txBody>
+          <a:bodyPr vert="horz" lIns="91440" tIns="45720" rIns="91440" bIns="45720" rtlCol="0"/>
+          <a:lstStyle>
+            <a:lvl1pPr algn="l">
+              <a:defRPr sz="1200"/>
+            </a:lvl1pPr>
+          </a:lstStyle>
+          <a:p>
+            <a:endParaRPr lang="zh-CN" altLang="en-US"/>
+          </a:p>
+        </p:txBody>
+      </p:sp>
+      <p:sp>
+        <p:nvSpPr>
+          <p:cNvPr id="3" name="日期占位符 2"/>
+          <p:cNvSpPr>
+            <a:spLocks noGrp="1"/>
+          </p:cNvSpPr>
+          <p:nvPr>
+            <p:ph type="dt" idx="1"/>
+          </p:nvPr>
+        </p:nvSpPr>
+        <p:spPr>
+          <a:xfrm>
+            <a:off x="3884613" y="0"/>
+            <a:ext cx="2971800" cy="457200"/>
+          </a:xfrm>
+          <a:prstGeom prst="rect">
+            <a:avLst/>
+          </a:prstGeom>
+        </p:spPr>
+        <p:txBody>
+          <a:bodyPr vert="horz" lIns="91440" tIns="45720" rIns="91440" bIns="45720" rtlCol="0"/>
+          <a:lstStyle>
+            <a:lvl1pPr algn="r">
+              <a:defRPr sz="1200"/>
+            </a:lvl1pPr>
+          </a:lstStyle>
+          <a:p>
+            <a:fld id="{9F53BBE4-0085-48A4-B283-6D9A21E43D0D}" type="datetimeFigureOut">
+              <a:rPr lang="zh-CN" altLang="en-US" smtClean="0"/>
+              <a:pPr/>
+              <a:t>2008-12-27</a:t>
+            </a:fld>
+            <a:endParaRPr lang="zh-CN" altLang="en-US"/>
+          </a:p>
+        </p:txBody>
+      </p:sp>
+      <p:sp>
+        <p:nvSpPr>
+          <p:cNvPr id="4" name="幻灯片图像占位符 3"/>
+          <p:cNvSpPr>
+            <a:spLocks noGrp="1" noRot="1" noChangeAspect="1"/>
+          </p:cNvSpPr>
+          <p:nvPr>
+            <p:ph type="sldImg" idx="2"/>
+          </p:nvPr>
+        </p:nvSpPr>
+        <p:spPr>
+          <a:xfrm>
+            <a:off x="1143000" y="685800"/>
+            <a:ext cx="4572000" cy="3429000"/>
+          </a:xfrm>
+          <a:prstGeom prst="rect">
+            <a:avLst/>
+          </a:prstGeom>
+          <a:noFill/>
+          <a:ln w="12700">
+            <a:solidFill>
+              <a:prstClr val="black"/>
+            </a:solidFill>
+          </a:ln>
+        </p:spPr>
+        <p:txBody>
+          <a:bodyPr vert="horz" lIns="91440" tIns="45720" rIns="91440" bIns="45720" rtlCol="0" anchor="ctr"/>
+          <a:lstStyle/>
+          <a:p>
+            <a:endParaRPr lang="zh-CN" altLang="en-US"/>
+          </a:p>
+        </p:txBody>
+      </p:sp>
+      <p:sp>
+        <p:nvSpPr>
+          <p:cNvPr id="5" name="备注占位符 4"/>
+          <p:cNvSpPr>
+            <a:spLocks noGrp="1"/>
+          </p:cNvSpPr>
+          <p:nvPr>
+            <p:ph type="body" sz="quarter" idx="3"/>
+          </p:nvPr>
+        </p:nvSpPr>
+        <p:spPr>
+          <a:xfrm>
+            <a:off x="685800" y="4343400"/>
+            <a:ext cx="5486400" cy="4114800"/>
+          </a:xfrm>
+          <a:prstGeom prst="rect">
+            <a:avLst/>
+          </a:prstGeom>
+        </p:spPr>
+        <p:txBody>
+          <a:bodyPr vert="horz" lIns="91440" tIns="45720" rIns="91440" bIns="45720" rtlCol="0">
+            <a:normAutofit/>
+          </a:bodyPr>
+          <a:lstStyle/>
+          <a:p>
+            <a:pPr lvl="0"/>
+            <a:r>
+              <a:rPr lang="zh-CN" altLang="en-US" smtClean="0"/>
+              <a:t>单击此处编辑母版文本样式</a:t>
+            </a:r>
+          </a:p>
+          <a:p>
+            <a:pPr lvl="1"/>
+            <a:r>
+              <a:rPr lang="zh-CN" altLang="en-US" smtClean="0"/>
+              <a:t>第二级</a:t>
+            </a:r>
+          </a:p>
+          <a:p>
+            <a:pPr lvl="2"/>
+            <a:r>
+              <a:rPr lang="zh-CN" altLang="en-US" smtClean="0"/>
+              <a:t>第三级</a:t>
+            </a:r>
+          </a:p>
+          <a:p>
+            <a:pPr lvl="3"/>
+            <a:r>
+              <a:rPr lang="zh-CN" altLang="en-US" smtClean="0"/>
+              <a:t>第四级</a:t>
+            </a:r>
+          </a:p>
+          <a:p>
+            <a:pPr lvl="4"/>
+            <a:r>
+              <a:rPr lang="zh-CN" altLang="en-US" smtClean="0"/>
+              <a:t>第五级</a:t>
+            </a:r>
+            <a:endParaRPr lang="zh-CN" altLang="en-US"/>
+          </a:p>
+        </p:txBody>
+      </p:sp>
+      <p:sp>
+        <p:nvSpPr>
+          <p:cNvPr id="6" name="页脚占位符 5"/>
+          <p:cNvSpPr>
+            <a:spLocks noGrp="1"/>
+          </p:cNvSpPr>
+          <p:nvPr>
+            <p:ph type="ftr" sz="quarter" idx="4"/>
+          </p:nvPr>
+        </p:nvSpPr>
+        <p:spPr>
+          <a:xfrm>
+            <a:off x="0" y="8685213"/>
+            <a:ext cx="2971800" cy="457200"/>
+          </a:xfrm>
+          <a:prstGeom prst="rect">
+            <a:avLst/>
+          </a:prstGeom>
+        </p:spPr>
+        <p:txBody>
+          <a:bodyPr vert="horz" lIns="91440" tIns="45720" rIns="91440" bIns="45720" rtlCol="0" anchor="b"/>
+          <a:lstStyle>
+            <a:lvl1pPr algn="l">
+              <a:defRPr sz="1200"/>
+            </a:lvl1pPr>
+          </a:lstStyle>
+          <a:p>
+            <a:endParaRPr lang="zh-CN" altLang="en-US"/>
+          </a:p>
+        </p:txBody>
+      </p:sp>
+      <p:sp>
+        <p:nvSpPr>
+          <p:cNvPr id="7" name="灯片编号占位符 6"/>
+          <p:cNvSpPr>
+            <a:spLocks noGrp="1"/>
+          </p:cNvSpPr>
+          <p:nvPr>
+            <p:ph type="sldNum" sz="quarter" idx="5"/>
+          </p:nvPr>
+        </p:nvSpPr>
+        <p:spPr>
+          <a:xfrm>
+            <a:off x="3884613" y="8685213"/>
+            <a:ext cx="2971800" cy="457200"/>
+          </a:xfrm>
+          <a:prstGeom prst="rect">
+            <a:avLst/>
+          </a:prstGeom>
+        </p:spPr>
+        <p:txBody>
+          <a:bodyPr vert="horz" lIns="91440" tIns="45720" rIns="91440" bIns="45720" rtlCol="0" anchor="b"/>
+          <a:lstStyle>
+            <a:lvl1pPr algn="r">
+              <a:defRPr sz="1200"/>
+            </a:lvl1pPr>
+          </a:lstStyle>
+          <a:p>
+            <a:fld id="{BD96D484-7572-43C0-B457-040846A152AE}" type="slidenum">
+              <a:rPr lang="zh-CN" altLang="en-US" smtClean="0"/>
+              <a:pPr/>
+              <a:t>‹#›</a:t>
+            </a:fld>
+            <a:endParaRPr lang="zh-CN" altLang="en-US"/>
+          </a:p>
+        </p:txBody>
+      </p:sp>
+    </p:spTree>
+  </p:cSld>
+  <p:clrMap bg1="lt1" tx1="dk1" bg2="lt2" tx2="dk2" accent1="accent1" accent2="accent2" accent3="accent3" accent4="accent4" accent5="accent5" accent6="accent6" hlink="hlink" folHlink="folHlink"/>
+  <p:notesStyle>
+    <a:lvl1pPr marL="0" algn="l" defTabSz="914400" rtl="0" eaLnBrk="1" latinLnBrk="0" hangingPunct="1">
+      <a:defRPr sz="1200" kern="1200">
+        <a:solidFill>
+          <a:schemeClr val="tx1"/>
+        </a:solidFill>
+        <a:latin typeface="+mn-lt"/>
+        <a:ea typeface="+mn-ea"/>
+        <a:cs typeface="+mn-cs"/>
+      </a:defRPr>
+    </a:lvl1pPr>
+    <a:lvl2pPr marL="457200" algn="l" defTabSz="914400" rtl="0" eaLnBrk="1" latinLnBrk="0" hangingPunct="1">
+      <a:defRPr sz="1200" kern="1200">
+        <a:solidFill>
+          <a:schemeClr val="tx1"/>
+        </a:solidFill>
+        <a:latin typeface="+mn-lt"/>
+        <a:ea typeface="+mn-ea"/>
+        <a:cs typeface="+mn-cs"/>
+      </a:defRPr>
+    </a:lvl2pPr>
+    <a:lvl3pPr marL="914400" algn="l" defTabSz="914400" rtl="0" eaLnBrk="1" latinLnBrk="0" hangingPunct="1">
+      <a:defRPr sz="1200" kern="1200">
+        <a:solidFill>
+          <a:schemeClr val="tx1"/>
+        </a:solidFill>
+        <a:latin typeface="+mn-lt"/>
+        <a:ea typeface="+mn-ea"/>
+        <a:cs typeface="+mn-cs"/>
+      </a:defRPr>
+    </a:lvl3pPr>
+    <a:lvl4pPr marL="1371600" algn="l" defTabSz="914400" rtl="0" eaLnBrk="1" latinLnBrk="0" hangingPunct="1">
+      <a:defRPr sz="1200" kern="1200">
+        <a:solidFill>
+          <a:schemeClr val="tx1"/>
+        </a:solidFill>
+        <a:latin typeface="+mn-lt"/>
+        <a:ea typeface="+mn-ea"/>
+        <a:cs typeface="+mn-cs"/>
+      </a:defRPr>
+    </a:lvl4pPr>
+    <a:lvl5pPr marL="1828800" algn="l" defTabSz="914400" rtl="0" eaLnBrk="1" latinLnBrk="0" hangingPunct="1">
+      <a:defRPr sz="1200" kern="1200">
+        <a:solidFill>
+          <a:schemeClr val="tx1"/>
+        </a:solidFill>
+        <a:latin typeface="+mn-lt"/>
+        <a:ea typeface="+mn-ea"/>
+        <a:cs typeface="+mn-cs"/>
+      </a:defRPr>
+    </a:lvl5pPr>
+    <a:lvl6pPr marL="2286000" algn="l" defTabSz="914400" rtl="0" eaLnBrk="1" latinLnBrk="0" hangingPunct="1">
+      <a:defRPr sz="1200" kern="1200">
+        <a:solidFill>
+          <a:schemeClr val="tx1"/>
+        </a:solidFill>
+        <a:latin typeface="+mn-lt"/>
+        <a:ea typeface="+mn-ea"/>
+        <a:cs typeface="+mn-cs"/>
+      </a:defRPr>
+    </a:lvl6pPr>
+    <a:lvl7pPr marL="2743200" algn="l" defTabSz="914400" rtl="0" eaLnBrk="1" latinLnBrk="0" hangingPunct="1">
+      <a:defRPr sz="1200" kern="1200">
+        <a:solidFill>
+          <a:schemeClr val="tx1"/>
+        </a:solidFill>
+        <a:latin typeface="+mn-lt"/>
+        <a:ea typeface="+mn-ea"/>
+        <a:cs typeface="+mn-cs"/>
+      </a:defRPr>
+    </a:lvl7pPr>
+    <a:lvl8pPr marL="3200400" algn="l" defTabSz="914400" rtl="0" eaLnBrk="1" latinLnBrk="0" hangingPunct="1">
+      <a:defRPr sz="1200" kern="1200">
+        <a:solidFill>
+          <a:schemeClr val="tx1"/>
+        </a:solidFill>
+        <a:latin typeface="+mn-lt"/>
+        <a:ea typeface="+mn-ea"/>
+        <a:cs typeface="+mn-cs"/>
+      </a:defRPr>
+    </a:lvl8pPr>
+    <a:lvl9pPr marL="3657600" algn="l" defTabSz="914400" rtl="0" eaLnBrk="1" latinLnBrk="0" hangingPunct="1">
+      <a:defRPr sz="1200" kern="1200">
+        <a:solidFill>
+          <a:schemeClr val="tx1"/>
+        </a:solidFill>
+        <a:latin typeface="+mn-lt"/>
+        <a:ea typeface="+mn-ea"/>
+        <a:cs typeface="+mn-cs"/>
+      </a:defRPr>
+    </a:lvl9pPr>
+  </p:notesStyle>
+</p:notesMaster>
+</file>
+
+<file path=ppt/notesSlides/notesSlide1.xml><?xml version="1.0" encoding="utf-8"?>
+<p:notes xmlns:a="http://schemas.openxmlformats.org/drawingml/2006/main" xmlns:r="http://schemas.openxmlformats.org/officeDocument/2006/relationships" xmlns:p="http://schemas.openxmlformats.org/presentationml/2006/main">
+  <p:cSld>
+    <p:spTree>
+      <p:nvGrpSpPr>
+        <p:cNvPr id="1" name=""/>
+        <p:cNvGrpSpPr/>
+        <p:nvPr/>
+      </p:nvGrpSpPr>
+      <p:grpSpPr>
+        <a:xfrm>
+          <a:off x="0" y="0"/>
+          <a:ext cx="0" cy="0"/>
+          <a:chOff x="0" y="0"/>
+          <a:chExt cx="0" cy="0"/>
+        </a:xfrm>
+      </p:grpSpPr>
+      <p:sp>
+        <p:nvSpPr>
+          <p:cNvPr id="2" name="幻灯片图像占位符 1"/>
+          <p:cNvSpPr>
+            <a:spLocks noGrp="1" noRot="1" noChangeAspect="1"/>
+          </p:cNvSpPr>
+          <p:nvPr>
+            <p:ph type="sldImg"/>
+          </p:nvPr>
+        </p:nvSpPr>
+        <p:spPr/>
+      </p:sp>
+      <p:sp>
+        <p:nvSpPr>
+          <p:cNvPr id="3" name="备注占位符 2"/>
+          <p:cNvSpPr>
+            <a:spLocks noGrp="1"/>
+          </p:cNvSpPr>
+          <p:nvPr>
+            <p:ph type="body" idx="1"/>
+          </p:nvPr>
+        </p:nvSpPr>
+        <p:spPr/>
+        <p:txBody>
+          <a:bodyPr>
+            <a:normAutofit/>
+          </a:bodyPr>
+          <a:lstStyle/>
+          <a:p>
+            <a:pPr marL="0" marR="0" indent="0" algn="l" defTabSz="914400" rtl="0" eaLnBrk="1" fontAlgn="auto" latinLnBrk="0" hangingPunct="1">
+              <a:lnSpc>
+                <a:spcPct val="100000"/>
+              </a:lnSpc>
+              <a:spcBef>
+                <a:spcPts val="0"/>
+              </a:spcBef>
+              <a:spcAft>
+                <a:spcPts val="0"/>
+              </a:spcAft>
+              <a:buClrTx/>
+              <a:buSzTx/>
+              <a:buFontTx/>
+              <a:buNone/>
+              <a:tabLst/>
+              <a:defRPr/>
+            </a:pPr>
+            <a:r>
+              <a:rPr lang="en-US" altLang="zh-CN" dirty="0" err="1" smtClean="0"/>
+              <a:t>mapapiGIS</a:t>
+            </a:r>
+            <a:r>
+              <a:rPr lang="zh-CN" altLang="en-US" dirty="0" smtClean="0"/>
+              <a:t>标准功能：</a:t>
+            </a:r>
+            <a:endParaRPr lang="en-US" altLang="zh-CN" dirty="0" smtClean="0"/>
+          </a:p>
+          <a:p>
+            <a:pPr marL="0" marR="0" indent="0" algn="l" defTabSz="914400" rtl="0" eaLnBrk="1" fontAlgn="auto" latinLnBrk="0" hangingPunct="1">
+              <a:lnSpc>
+                <a:spcPct val="100000"/>
+              </a:lnSpc>
+              <a:spcBef>
+                <a:spcPts val="0"/>
+              </a:spcBef>
+              <a:spcAft>
+                <a:spcPts val="0"/>
+              </a:spcAft>
+              <a:buClrTx/>
+              <a:buSzTx/>
+              <a:buFontTx/>
+              <a:buNone/>
+              <a:tabLst/>
+              <a:defRPr/>
+            </a:pPr>
+            <a:r>
+              <a:rPr lang="en-US" altLang="zh-CN" dirty="0" smtClean="0"/>
+              <a:t>	1</a:t>
+            </a:r>
+            <a:r>
+              <a:rPr lang="zh-CN" altLang="en-US" dirty="0" smtClean="0"/>
+              <a:t>、放大</a:t>
+            </a:r>
+            <a:r>
+              <a:rPr lang="en-US" altLang="zh-CN" dirty="0" smtClean="0"/>
+              <a:t>/</a:t>
+            </a:r>
+            <a:r>
+              <a:rPr lang="zh-CN" altLang="en-US" dirty="0" smtClean="0"/>
+              <a:t>缩小；</a:t>
+            </a:r>
+            <a:endParaRPr lang="en-US" altLang="zh-CN" dirty="0" smtClean="0"/>
+          </a:p>
+          <a:p>
+            <a:pPr marL="0" marR="0" indent="0" algn="l" defTabSz="914400" rtl="0" eaLnBrk="1" fontAlgn="auto" latinLnBrk="0" hangingPunct="1">
+              <a:lnSpc>
+                <a:spcPct val="100000"/>
+              </a:lnSpc>
+              <a:spcBef>
+                <a:spcPts val="0"/>
+              </a:spcBef>
+              <a:spcAft>
+                <a:spcPts val="0"/>
+              </a:spcAft>
+              <a:buClrTx/>
+              <a:buSzTx/>
+              <a:buFontTx/>
+              <a:buNone/>
+              <a:tabLst/>
+              <a:defRPr/>
+            </a:pPr>
+            <a:r>
+              <a:rPr lang="en-US" altLang="zh-CN" dirty="0" smtClean="0"/>
+              <a:t>	2</a:t>
+            </a:r>
+            <a:r>
+              <a:rPr lang="zh-CN" altLang="en-US" dirty="0" smtClean="0"/>
+              <a:t>、漫游</a:t>
+            </a:r>
+            <a:r>
+              <a:rPr lang="en-US" altLang="zh-CN" dirty="0" smtClean="0"/>
+              <a:t>:</a:t>
+            </a:r>
+            <a:r>
+              <a:rPr lang="zh-CN" altLang="en-US" dirty="0" smtClean="0"/>
+              <a:t>鼠标</a:t>
+            </a:r>
+            <a:r>
+              <a:rPr lang="en-US" altLang="zh-CN" dirty="0" smtClean="0"/>
+              <a:t>/</a:t>
+            </a:r>
+            <a:r>
+              <a:rPr lang="zh-CN" altLang="en-US" dirty="0" smtClean="0"/>
+              <a:t>方向键；</a:t>
+            </a:r>
+            <a:endParaRPr lang="en-US" altLang="zh-CN" dirty="0" smtClean="0"/>
+          </a:p>
+          <a:p>
+            <a:pPr marL="0" marR="0" indent="0" algn="l" defTabSz="914400" rtl="0" eaLnBrk="1" fontAlgn="auto" latinLnBrk="0" hangingPunct="1">
+              <a:lnSpc>
+                <a:spcPct val="100000"/>
+              </a:lnSpc>
+              <a:spcBef>
+                <a:spcPts val="0"/>
+              </a:spcBef>
+              <a:spcAft>
+                <a:spcPts val="0"/>
+              </a:spcAft>
+              <a:buClrTx/>
+              <a:buSzTx/>
+              <a:buFontTx/>
+              <a:buNone/>
+              <a:tabLst/>
+              <a:defRPr/>
+            </a:pPr>
+            <a:r>
+              <a:rPr lang="en-US" altLang="zh-CN" dirty="0" smtClean="0"/>
+              <a:t>	3</a:t>
+            </a:r>
+            <a:r>
+              <a:rPr lang="zh-CN" altLang="en-US" dirty="0" smtClean="0"/>
+              <a:t>、重设中心；</a:t>
+            </a:r>
+            <a:endParaRPr lang="en-US" altLang="zh-CN" dirty="0" smtClean="0"/>
+          </a:p>
+          <a:p>
+            <a:pPr marL="0" marR="0" indent="0" algn="l" defTabSz="914400" rtl="0" eaLnBrk="1" fontAlgn="auto" latinLnBrk="0" hangingPunct="1">
+              <a:lnSpc>
+                <a:spcPct val="100000"/>
+              </a:lnSpc>
+              <a:spcBef>
+                <a:spcPts val="0"/>
+              </a:spcBef>
+              <a:spcAft>
+                <a:spcPts val="0"/>
+              </a:spcAft>
+              <a:buClrTx/>
+              <a:buSzTx/>
+              <a:buFontTx/>
+              <a:buNone/>
+              <a:tabLst/>
+              <a:defRPr/>
+            </a:pPr>
+            <a:r>
+              <a:rPr lang="en-US" altLang="zh-CN" dirty="0" smtClean="0"/>
+              <a:t>	4</a:t>
+            </a:r>
+            <a:r>
+              <a:rPr lang="zh-CN" altLang="en-US" dirty="0" smtClean="0"/>
+              <a:t>、鹰眼小地图；</a:t>
+            </a:r>
+            <a:endParaRPr lang="en-US" altLang="zh-CN" dirty="0" smtClean="0"/>
+          </a:p>
+          <a:p>
+            <a:pPr marL="0" marR="0" indent="0" algn="l" defTabSz="914400" rtl="0" eaLnBrk="1" fontAlgn="auto" latinLnBrk="0" hangingPunct="1">
+              <a:lnSpc>
+                <a:spcPct val="100000"/>
+              </a:lnSpc>
+              <a:spcBef>
+                <a:spcPts val="0"/>
+              </a:spcBef>
+              <a:spcAft>
+                <a:spcPts val="0"/>
+              </a:spcAft>
+              <a:buClrTx/>
+              <a:buSzTx/>
+              <a:buFontTx/>
+              <a:buNone/>
+              <a:tabLst/>
+              <a:defRPr/>
+            </a:pPr>
+            <a:r>
+              <a:rPr lang="en-US" altLang="zh-CN" dirty="0" smtClean="0"/>
+              <a:t>	5</a:t>
+            </a:r>
+            <a:r>
+              <a:rPr lang="zh-CN" altLang="en-US" dirty="0" smtClean="0"/>
+              <a:t>、光标位置：坐标显示</a:t>
+            </a:r>
+            <a:r>
+              <a:rPr lang="en-US" altLang="zh-CN" dirty="0" smtClean="0"/>
+              <a:t>/</a:t>
+            </a:r>
+            <a:r>
+              <a:rPr lang="zh-CN" altLang="en-US" dirty="0" smtClean="0"/>
+              <a:t>对象信息显示；</a:t>
+            </a:r>
+            <a:endParaRPr lang="en-US" altLang="zh-CN" dirty="0" smtClean="0"/>
+          </a:p>
+          <a:p>
+            <a:pPr marL="0" marR="0" indent="0" algn="l" defTabSz="914400" rtl="0" eaLnBrk="1" fontAlgn="auto" latinLnBrk="0" hangingPunct="1">
+              <a:lnSpc>
+                <a:spcPct val="100000"/>
+              </a:lnSpc>
+              <a:spcBef>
+                <a:spcPts val="0"/>
+              </a:spcBef>
+              <a:spcAft>
+                <a:spcPts val="0"/>
+              </a:spcAft>
+              <a:buClrTx/>
+              <a:buSzTx/>
+              <a:buFontTx/>
+              <a:buNone/>
+              <a:tabLst/>
+              <a:defRPr/>
+            </a:pPr>
+            <a:r>
+              <a:rPr lang="en-US" altLang="zh-CN" dirty="0" smtClean="0"/>
+              <a:t>	6</a:t>
+            </a:r>
+            <a:r>
+              <a:rPr lang="zh-CN" altLang="en-US" dirty="0" smtClean="0"/>
+              <a:t>、图层控制：增加图层；显示隐藏图层；删除图层；显示隐藏图层内的一组</a:t>
+            </a:r>
+            <a:r>
+              <a:rPr lang="en-US" altLang="zh-CN" dirty="0" smtClean="0"/>
+              <a:t>id</a:t>
+            </a:r>
+            <a:r>
+              <a:rPr lang="zh-CN" altLang="en-US" dirty="0" smtClean="0"/>
+              <a:t>对象</a:t>
+            </a:r>
+            <a:endParaRPr lang="en-US" altLang="zh-CN" dirty="0" smtClean="0"/>
+          </a:p>
+          <a:p>
+            <a:pPr marL="0" marR="0" indent="0" algn="l" defTabSz="914400" rtl="0" eaLnBrk="1" fontAlgn="auto" latinLnBrk="0" hangingPunct="1">
+              <a:lnSpc>
+                <a:spcPct val="100000"/>
+              </a:lnSpc>
+              <a:spcBef>
+                <a:spcPts val="0"/>
+              </a:spcBef>
+              <a:spcAft>
+                <a:spcPts val="0"/>
+              </a:spcAft>
+              <a:buClrTx/>
+              <a:buSzTx/>
+              <a:buFontTx/>
+              <a:buNone/>
+              <a:tabLst/>
+              <a:defRPr/>
+            </a:pPr>
+            <a:r>
+              <a:rPr lang="en-US" altLang="zh-CN" dirty="0" smtClean="0"/>
+              <a:t>	7</a:t>
+            </a:r>
+            <a:r>
+              <a:rPr lang="zh-CN" altLang="en-US" dirty="0" smtClean="0"/>
+              <a:t>、</a:t>
+            </a:r>
+            <a:r>
+              <a:rPr lang="en-US" altLang="zh-CN" dirty="0" smtClean="0"/>
+              <a:t>marker</a:t>
+            </a:r>
+            <a:r>
+              <a:rPr lang="zh-CN" altLang="en-US" dirty="0" smtClean="0"/>
+              <a:t>：增</a:t>
+            </a:r>
+            <a:r>
+              <a:rPr lang="en-US" altLang="zh-CN" dirty="0" smtClean="0"/>
+              <a:t>/</a:t>
+            </a:r>
+            <a:r>
+              <a:rPr lang="zh-CN" altLang="en-US" dirty="0" smtClean="0"/>
+              <a:t>减</a:t>
+            </a:r>
+            <a:r>
+              <a:rPr lang="en-US" altLang="zh-CN" dirty="0" smtClean="0"/>
+              <a:t>/</a:t>
+            </a:r>
+            <a:r>
+              <a:rPr lang="zh-CN" altLang="en-US" smtClean="0"/>
+              <a:t>移动</a:t>
+            </a:r>
+            <a:endParaRPr lang="zh-CN" altLang="en-US" dirty="0"/>
+          </a:p>
+        </p:txBody>
+      </p:sp>
+      <p:sp>
+        <p:nvSpPr>
+          <p:cNvPr id="4" name="灯片编号占位符 3"/>
+          <p:cNvSpPr>
+            <a:spLocks noGrp="1"/>
+          </p:cNvSpPr>
+          <p:nvPr>
+            <p:ph type="sldNum" sz="quarter" idx="10"/>
+          </p:nvPr>
+        </p:nvSpPr>
+        <p:spPr/>
+        <p:txBody>
+          <a:bodyPr/>
+          <a:lstStyle/>
+          <a:p>
+            <a:fld id="{BD96D484-7572-43C0-B457-040846A152AE}" type="slidenum">
+              <a:rPr lang="zh-CN" altLang="en-US" smtClean="0"/>
+              <a:pPr/>
+              <a:t>4</a:t>
+            </a:fld>
+            <a:endParaRPr lang="zh-CN" altLang="en-US"/>
+          </a:p>
+        </p:txBody>
+      </p:sp>
+    </p:spTree>
+  </p:cSld>
+  <p:clrMapOvr>
+    <a:masterClrMapping/>
+  </p:clrMapOvr>
+</p:notes>
+</file>
+
 <file path=ppt/slideLayouts/slideLayout1.xml><?xml version="1.0" encoding="utf-8"?>
 <p:sldLayout xmlns:a="http://schemas.openxmlformats.org/drawingml/2006/main" xmlns:r="http://schemas.openxmlformats.org/officeDocument/2006/relationships" xmlns:p="http://schemas.openxmlformats.org/presentationml/2006/main" type="title" preserve="1">
   <p:cSld name="标题幻灯片">
@@ -291,7 +1011,7 @@
             <a:fld id="{530820CF-B880-4189-942D-D702A7CBA730}" type="datetimeFigureOut">
               <a:rPr lang="zh-CN" altLang="en-US" smtClean="0"/>
               <a:pPr/>
-              <a:t>2008-12-13</a:t>
+              <a:t>2008-12-27</a:t>
             </a:fld>
             <a:endParaRPr lang="zh-CN" altLang="en-US"/>
           </a:p>
@@ -458,7 +1178,7 @@
             <a:fld id="{530820CF-B880-4189-942D-D702A7CBA730}" type="datetimeFigureOut">
               <a:rPr lang="zh-CN" altLang="en-US" smtClean="0"/>
               <a:pPr/>
-              <a:t>2008-12-13</a:t>
+              <a:t>2008-12-27</a:t>
             </a:fld>
             <a:endParaRPr lang="zh-CN" altLang="en-US"/>
           </a:p>
@@ -635,7 +1355,7 @@
             <a:fld id="{530820CF-B880-4189-942D-D702A7CBA730}" type="datetimeFigureOut">
               <a:rPr lang="zh-CN" altLang="en-US" smtClean="0"/>
               <a:pPr/>
-              <a:t>2008-12-13</a:t>
+              <a:t>2008-12-27</a:t>
             </a:fld>
             <a:endParaRPr lang="zh-CN" altLang="en-US"/>
           </a:p>
@@ -802,7 +1522,7 @@
             <a:fld id="{530820CF-B880-4189-942D-D702A7CBA730}" type="datetimeFigureOut">
               <a:rPr lang="zh-CN" altLang="en-US" smtClean="0"/>
               <a:pPr/>
-              <a:t>2008-12-13</a:t>
+              <a:t>2008-12-27</a:t>
             </a:fld>
             <a:endParaRPr lang="zh-CN" altLang="en-US"/>
           </a:p>
@@ -1045,7 +1765,7 @@
             <a:fld id="{530820CF-B880-4189-942D-D702A7CBA730}" type="datetimeFigureOut">
               <a:rPr lang="zh-CN" altLang="en-US" smtClean="0"/>
               <a:pPr/>
-              <a:t>2008-12-13</a:t>
+              <a:t>2008-12-27</a:t>
             </a:fld>
             <a:endParaRPr lang="zh-CN" altLang="en-US"/>
           </a:p>
@@ -1330,7 +2050,7 @@
             <a:fld id="{530820CF-B880-4189-942D-D702A7CBA730}" type="datetimeFigureOut">
               <a:rPr lang="zh-CN" altLang="en-US" smtClean="0"/>
               <a:pPr/>
-              <a:t>2008-12-13</a:t>
+              <a:t>2008-12-27</a:t>
             </a:fld>
             <a:endParaRPr lang="zh-CN" altLang="en-US"/>
           </a:p>
@@ -1749,7 +2469,7 @@
             <a:fld id="{530820CF-B880-4189-942D-D702A7CBA730}" type="datetimeFigureOut">
               <a:rPr lang="zh-CN" altLang="en-US" smtClean="0"/>
               <a:pPr/>
-              <a:t>2008-12-13</a:t>
+              <a:t>2008-12-27</a:t>
             </a:fld>
             <a:endParaRPr lang="zh-CN" altLang="en-US"/>
           </a:p>
@@ -1864,7 +2584,7 @@
             <a:fld id="{530820CF-B880-4189-942D-D702A7CBA730}" type="datetimeFigureOut">
               <a:rPr lang="zh-CN" altLang="en-US" smtClean="0"/>
               <a:pPr/>
-              <a:t>2008-12-13</a:t>
+              <a:t>2008-12-27</a:t>
             </a:fld>
             <a:endParaRPr lang="zh-CN" altLang="en-US"/>
           </a:p>
@@ -1956,7 +2676,7 @@
             <a:fld id="{530820CF-B880-4189-942D-D702A7CBA730}" type="datetimeFigureOut">
               <a:rPr lang="zh-CN" altLang="en-US" smtClean="0"/>
               <a:pPr/>
-              <a:t>2008-12-13</a:t>
+              <a:t>2008-12-27</a:t>
             </a:fld>
             <a:endParaRPr lang="zh-CN" altLang="en-US"/>
           </a:p>
@@ -2230,7 +2950,7 @@
             <a:fld id="{530820CF-B880-4189-942D-D702A7CBA730}" type="datetimeFigureOut">
               <a:rPr lang="zh-CN" altLang="en-US" smtClean="0"/>
               <a:pPr/>
-              <a:t>2008-12-13</a:t>
+              <a:t>2008-12-27</a:t>
             </a:fld>
             <a:endParaRPr lang="zh-CN" altLang="en-US"/>
           </a:p>
@@ -2480,7 +3200,7 @@
             <a:fld id="{530820CF-B880-4189-942D-D702A7CBA730}" type="datetimeFigureOut">
               <a:rPr lang="zh-CN" altLang="en-US" smtClean="0"/>
               <a:pPr/>
-              <a:t>2008-12-13</a:t>
+              <a:t>2008-12-27</a:t>
             </a:fld>
             <a:endParaRPr lang="zh-CN" altLang="en-US"/>
           </a:p>
@@ -2690,7 +3410,7 @@
             <a:fld id="{530820CF-B880-4189-942D-D702A7CBA730}" type="datetimeFigureOut">
               <a:rPr lang="zh-CN" altLang="en-US" smtClean="0"/>
               <a:pPr/>
-              <a:t>2008-12-13</a:t>
+              <a:t>2008-12-27</a:t>
             </a:fld>
             <a:endParaRPr lang="zh-CN" altLang="en-US"/>
           </a:p>
@@ -3151,8 +3871,8 @@
         </p:nvSpPr>
         <p:spPr>
           <a:xfrm>
-            <a:off x="2786050" y="2786058"/>
-            <a:ext cx="1571636" cy="571504"/>
+            <a:off x="3500430" y="2786058"/>
+            <a:ext cx="1000132" cy="571504"/>
           </a:xfrm>
           <a:prstGeom prst="rect">
             <a:avLst/>
@@ -3181,7 +3901,7 @@
             <a:pPr algn="ctr"/>
             <a:r>
               <a:rPr lang="en-US" altLang="zh-CN" dirty="0" smtClean="0"/>
-              <a:t>JDK 1.5</a:t>
+              <a:t>PHP 5.0</a:t>
             </a:r>
             <a:endParaRPr lang="zh-CN" altLang="en-US" dirty="0"/>
           </a:p>
@@ -3195,8 +3915,8 @@
         </p:nvSpPr>
         <p:spPr>
           <a:xfrm>
-            <a:off x="2786050" y="2143116"/>
-            <a:ext cx="1571636" cy="571504"/>
+            <a:off x="3500430" y="2143116"/>
+            <a:ext cx="1000132" cy="571504"/>
           </a:xfrm>
           <a:prstGeom prst="rect">
             <a:avLst/>
@@ -3225,7 +3945,7 @@
             <a:pPr algn="ctr"/>
             <a:r>
               <a:rPr lang="en-US" altLang="zh-CN" dirty="0" smtClean="0"/>
-              <a:t>Tomcat</a:t>
+              <a:t>Apache HTTP</a:t>
             </a:r>
             <a:endParaRPr lang="zh-CN" altLang="en-US" dirty="0"/>
           </a:p>
@@ -3239,8 +3959,8 @@
         </p:nvSpPr>
         <p:spPr>
           <a:xfrm>
-            <a:off x="2786050" y="1142984"/>
-            <a:ext cx="1571636" cy="571504"/>
+            <a:off x="3214678" y="1142984"/>
+            <a:ext cx="1285884" cy="571504"/>
           </a:xfrm>
           <a:prstGeom prst="rect">
             <a:avLst/>
@@ -3393,7 +4113,7 @@
         </p:nvSpPr>
         <p:spPr>
           <a:xfrm>
-            <a:off x="4572000" y="1071546"/>
+            <a:off x="4714876" y="1071546"/>
             <a:ext cx="214314" cy="214314"/>
           </a:xfrm>
           <a:prstGeom prst="ellipse">
@@ -3433,7 +4153,7 @@
         </p:nvSpPr>
         <p:spPr>
           <a:xfrm>
-            <a:off x="4572000" y="1357298"/>
+            <a:off x="4714876" y="1357298"/>
             <a:ext cx="214314" cy="214314"/>
           </a:xfrm>
           <a:prstGeom prst="ellipse">
@@ -3473,7 +4193,7 @@
         </p:nvSpPr>
         <p:spPr>
           <a:xfrm>
-            <a:off x="4572000" y="1643050"/>
+            <a:off x="4714876" y="1643050"/>
             <a:ext cx="214314" cy="214314"/>
           </a:xfrm>
           <a:prstGeom prst="ellipse">
@@ -3516,7 +4236,7 @@
         </p:nvCxnSpPr>
         <p:spPr>
           <a:xfrm flipV="1">
-            <a:off x="4357686" y="1178703"/>
+            <a:off x="4500562" y="1178703"/>
             <a:ext cx="214314" cy="250033"/>
           </a:xfrm>
           <a:prstGeom prst="line">
@@ -3549,7 +4269,7 @@
         </p:nvCxnSpPr>
         <p:spPr>
           <a:xfrm>
-            <a:off x="4357686" y="1428736"/>
+            <a:off x="4500562" y="1428736"/>
             <a:ext cx="214314" cy="35719"/>
           </a:xfrm>
           <a:prstGeom prst="line">
@@ -3582,7 +4302,7 @@
         </p:nvCxnSpPr>
         <p:spPr>
           <a:xfrm>
-            <a:off x="4357686" y="1428736"/>
+            <a:off x="4500562" y="1428736"/>
             <a:ext cx="214314" cy="321471"/>
           </a:xfrm>
           <a:prstGeom prst="line">
@@ -3613,7 +4333,7 @@
         <p:spPr>
           <a:xfrm>
             <a:off x="6000760" y="3071810"/>
-            <a:ext cx="928694" cy="500066"/>
+            <a:ext cx="1000132" cy="500066"/>
           </a:xfrm>
           <a:prstGeom prst="rect">
             <a:avLst/>
@@ -3686,11 +4406,7 @@
             <a:pPr algn="ctr"/>
             <a:r>
               <a:rPr lang="en-US" altLang="zh-CN" dirty="0" smtClean="0"/>
-              <a:t>SVG </a:t>
-            </a:r>
-            <a:r>
-              <a:rPr lang="en-US" altLang="zh-CN" dirty="0" err="1" smtClean="0"/>
-              <a:t>plugin</a:t>
+              <a:t>Adobe SVG Viewer 3</a:t>
             </a:r>
             <a:endParaRPr lang="zh-CN" altLang="en-US" dirty="0"/>
           </a:p>
@@ -3773,10 +4489,10 @@
           <a:p>
             <a:pPr algn="ctr"/>
             <a:r>
-              <a:rPr lang="en-US" altLang="zh-CN" dirty="0" smtClean="0"/>
-              <a:t>Browser</a:t>
-            </a:r>
-            <a:endParaRPr lang="zh-CN" altLang="en-US" dirty="0"/>
+              <a:rPr lang="en-US" altLang="zh-CN" sz="1400" dirty="0" smtClean="0"/>
+              <a:t>Internet Explorer 6.0</a:t>
+            </a:r>
+            <a:endParaRPr lang="zh-CN" altLang="en-US" sz="1400" dirty="0"/>
           </a:p>
         </p:txBody>
       </p:sp>
@@ -3789,9 +4505,9 @@
           <p:nvPr/>
         </p:nvCxnSpPr>
         <p:spPr>
-          <a:xfrm rot="16200000" flipH="1">
-            <a:off x="6090057" y="3946926"/>
-            <a:ext cx="785818" cy="35718"/>
+          <a:xfrm rot="5400000">
+            <a:off x="6107917" y="3964785"/>
+            <a:ext cx="785819" cy="1588"/>
           </a:xfrm>
           <a:prstGeom prst="straightConnector1">
             <a:avLst/>
@@ -3902,6 +4618,106 @@
           </a:fontRef>
         </p:style>
       </p:cxnSp>
+      <p:sp>
+        <p:nvSpPr>
+          <p:cNvPr id="39" name="矩形 38"/>
+          <p:cNvSpPr/>
+          <p:nvPr/>
+        </p:nvSpPr>
+        <p:spPr>
+          <a:xfrm>
+            <a:off x="2285984" y="2143116"/>
+            <a:ext cx="428628" cy="1214446"/>
+          </a:xfrm>
+          <a:prstGeom prst="rect">
+            <a:avLst/>
+          </a:prstGeom>
+        </p:spPr>
+        <p:style>
+          <a:lnRef idx="2">
+            <a:schemeClr val="accent1">
+              <a:shade val="50000"/>
+            </a:schemeClr>
+          </a:lnRef>
+          <a:fillRef idx="1">
+            <a:schemeClr val="accent1"/>
+          </a:fillRef>
+          <a:effectRef idx="0">
+            <a:schemeClr val="accent1"/>
+          </a:effectRef>
+          <a:fontRef idx="minor">
+            <a:schemeClr val="lt1"/>
+          </a:fontRef>
+        </p:style>
+        <p:txBody>
+          <a:bodyPr vert="eaVert" rtlCol="0" anchor="ctr"/>
+          <a:lstStyle/>
+          <a:p>
+            <a:pPr algn="ctr"/>
+            <a:r>
+              <a:rPr lang="en-US" altLang="zh-CN" sz="1400" dirty="0" smtClean="0"/>
+              <a:t>Oracle Client</a:t>
+            </a:r>
+            <a:endParaRPr lang="zh-CN" altLang="en-US" sz="1400" dirty="0"/>
+          </a:p>
+        </p:txBody>
+      </p:sp>
+      <p:sp>
+        <p:nvSpPr>
+          <p:cNvPr id="40" name="矩形 39"/>
+          <p:cNvSpPr/>
+          <p:nvPr/>
+        </p:nvSpPr>
+        <p:spPr>
+          <a:xfrm>
+            <a:off x="2786050" y="2143116"/>
+            <a:ext cx="428628" cy="1214446"/>
+          </a:xfrm>
+          <a:prstGeom prst="rect">
+            <a:avLst/>
+          </a:prstGeom>
+        </p:spPr>
+        <p:style>
+          <a:lnRef idx="2">
+            <a:schemeClr val="accent1">
+              <a:shade val="50000"/>
+            </a:schemeClr>
+          </a:lnRef>
+          <a:fillRef idx="1">
+            <a:schemeClr val="accent1"/>
+          </a:fillRef>
+          <a:effectRef idx="0">
+            <a:schemeClr val="accent1"/>
+          </a:effectRef>
+          <a:fontRef idx="minor">
+            <a:schemeClr val="lt1"/>
+          </a:fontRef>
+        </p:style>
+        <p:txBody>
+          <a:bodyPr vert="eaVert" rtlCol="0" anchor="ctr"/>
+          <a:lstStyle/>
+          <a:p>
+            <a:pPr algn="ctr"/>
+            <a:r>
+              <a:rPr lang="en-US" altLang="zh-CN" sz="1400" dirty="0" smtClean="0"/>
+              <a:t>PHP-</a:t>
+            </a:r>
+            <a:r>
+              <a:rPr lang="en-US" altLang="zh-CN" sz="1400" dirty="0" err="1" smtClean="0"/>
+              <a:t>Ora</a:t>
+            </a:r>
+            <a:r>
+              <a:rPr lang="en-US" altLang="zh-CN" sz="1400" dirty="0" smtClean="0"/>
+              <a:t>-</a:t>
+            </a:r>
+            <a:r>
+              <a:rPr lang="en-US" altLang="zh-CN" sz="1400" dirty="0" err="1" smtClean="0"/>
+              <a:t>oci</a:t>
+            </a:r>
+            <a:endParaRPr lang="zh-CN" altLang="en-US" sz="1400" dirty="0"/>
+          </a:p>
+        </p:txBody>
+      </p:sp>
     </p:spTree>
   </p:cSld>
   <p:clrMapOvr>
@@ -4504,6 +5320,1083 @@
               <a:t>帮助</a:t>
             </a:r>
             <a:endParaRPr lang="zh-CN" altLang="en-US" dirty="0"/>
+          </a:p>
+        </p:txBody>
+      </p:sp>
+    </p:spTree>
+  </p:cSld>
+  <p:clrMapOvr>
+    <a:masterClrMapping/>
+  </p:clrMapOvr>
+</p:sld>
+</file>
+
+<file path=ppt/slides/slide4.xml><?xml version="1.0" encoding="utf-8"?>
+<p:sld xmlns:a="http://schemas.openxmlformats.org/drawingml/2006/main" xmlns:r="http://schemas.openxmlformats.org/officeDocument/2006/relationships" xmlns:p="http://schemas.openxmlformats.org/presentationml/2006/main">
+  <p:cSld>
+    <p:spTree>
+      <p:nvGrpSpPr>
+        <p:cNvPr id="1" name=""/>
+        <p:cNvGrpSpPr/>
+        <p:nvPr/>
+      </p:nvGrpSpPr>
+      <p:grpSpPr>
+        <a:xfrm>
+          <a:off x="0" y="0"/>
+          <a:ext cx="0" cy="0"/>
+          <a:chOff x="0" y="0"/>
+          <a:chExt cx="0" cy="0"/>
+        </a:xfrm>
+      </p:grpSpPr>
+      <p:sp>
+        <p:nvSpPr>
+          <p:cNvPr id="43" name="矩形 42"/>
+          <p:cNvSpPr/>
+          <p:nvPr/>
+        </p:nvSpPr>
+        <p:spPr>
+          <a:xfrm>
+            <a:off x="142844" y="1000108"/>
+            <a:ext cx="2786082" cy="3857652"/>
+          </a:xfrm>
+          <a:prstGeom prst="rect">
+            <a:avLst/>
+          </a:prstGeom>
+        </p:spPr>
+        <p:style>
+          <a:lnRef idx="2">
+            <a:schemeClr val="accent3">
+              <a:shade val="50000"/>
+            </a:schemeClr>
+          </a:lnRef>
+          <a:fillRef idx="1">
+            <a:schemeClr val="accent3"/>
+          </a:fillRef>
+          <a:effectRef idx="0">
+            <a:schemeClr val="accent3"/>
+          </a:effectRef>
+          <a:fontRef idx="minor">
+            <a:schemeClr val="lt1"/>
+          </a:fontRef>
+        </p:style>
+        <p:txBody>
+          <a:bodyPr rtlCol="0" anchor="ctr"/>
+          <a:lstStyle/>
+          <a:p>
+            <a:pPr algn="ctr"/>
+            <a:endParaRPr lang="zh-CN" altLang="en-US" sz="1200">
+              <a:solidFill>
+                <a:schemeClr val="lt1"/>
+              </a:solidFill>
+            </a:endParaRPr>
+          </a:p>
+        </p:txBody>
+      </p:sp>
+      <p:sp>
+        <p:nvSpPr>
+          <p:cNvPr id="2" name="矩形 1"/>
+          <p:cNvSpPr/>
+          <p:nvPr/>
+        </p:nvSpPr>
+        <p:spPr>
+          <a:xfrm>
+            <a:off x="6429388" y="1000108"/>
+            <a:ext cx="2571768" cy="3071834"/>
+          </a:xfrm>
+          <a:prstGeom prst="rect">
+            <a:avLst/>
+          </a:prstGeom>
+        </p:spPr>
+        <p:style>
+          <a:lnRef idx="2">
+            <a:schemeClr val="accent3">
+              <a:shade val="50000"/>
+            </a:schemeClr>
+          </a:lnRef>
+          <a:fillRef idx="1">
+            <a:schemeClr val="accent3"/>
+          </a:fillRef>
+          <a:effectRef idx="0">
+            <a:schemeClr val="accent3"/>
+          </a:effectRef>
+          <a:fontRef idx="minor">
+            <a:schemeClr val="lt1"/>
+          </a:fontRef>
+        </p:style>
+        <p:txBody>
+          <a:bodyPr rtlCol="0" anchor="ctr"/>
+          <a:lstStyle/>
+          <a:p>
+            <a:pPr algn="ctr"/>
+            <a:endParaRPr lang="zh-CN" altLang="en-US" sz="1200">
+              <a:solidFill>
+                <a:schemeClr val="lt1"/>
+              </a:solidFill>
+            </a:endParaRPr>
+          </a:p>
+        </p:txBody>
+      </p:sp>
+      <p:sp>
+        <p:nvSpPr>
+          <p:cNvPr id="3" name="矩形 2"/>
+          <p:cNvSpPr/>
+          <p:nvPr/>
+        </p:nvSpPr>
+        <p:spPr>
+          <a:xfrm>
+            <a:off x="6643702" y="1357298"/>
+            <a:ext cx="1214446" cy="357190"/>
+          </a:xfrm>
+          <a:prstGeom prst="rect">
+            <a:avLst/>
+          </a:prstGeom>
+        </p:spPr>
+        <p:style>
+          <a:lnRef idx="2">
+            <a:schemeClr val="accent1">
+              <a:shade val="50000"/>
+            </a:schemeClr>
+          </a:lnRef>
+          <a:fillRef idx="1">
+            <a:schemeClr val="accent1"/>
+          </a:fillRef>
+          <a:effectRef idx="0">
+            <a:schemeClr val="accent1"/>
+          </a:effectRef>
+          <a:fontRef idx="minor">
+            <a:schemeClr val="lt1"/>
+          </a:fontRef>
+        </p:style>
+        <p:txBody>
+          <a:bodyPr rtlCol="0" anchor="ctr"/>
+          <a:lstStyle/>
+          <a:p>
+            <a:pPr algn="ctr"/>
+            <a:r>
+              <a:rPr lang="en-US" altLang="zh-CN" dirty="0" smtClean="0"/>
+              <a:t>map.svg</a:t>
+            </a:r>
+            <a:endParaRPr lang="zh-CN" altLang="en-US" dirty="0"/>
+          </a:p>
+        </p:txBody>
+      </p:sp>
+      <p:sp>
+        <p:nvSpPr>
+          <p:cNvPr id="4" name="矩形 3"/>
+          <p:cNvSpPr/>
+          <p:nvPr/>
+        </p:nvSpPr>
+        <p:spPr>
+          <a:xfrm>
+            <a:off x="7358082" y="642918"/>
+            <a:ext cx="1643074" cy="357190"/>
+          </a:xfrm>
+          <a:prstGeom prst="rect">
+            <a:avLst/>
+          </a:prstGeom>
+        </p:spPr>
+        <p:style>
+          <a:lnRef idx="2">
+            <a:schemeClr val="accent3">
+              <a:shade val="50000"/>
+            </a:schemeClr>
+          </a:lnRef>
+          <a:fillRef idx="1">
+            <a:schemeClr val="accent3"/>
+          </a:fillRef>
+          <a:effectRef idx="0">
+            <a:schemeClr val="accent3"/>
+          </a:effectRef>
+          <a:fontRef idx="minor">
+            <a:schemeClr val="lt1"/>
+          </a:fontRef>
+        </p:style>
+        <p:txBody>
+          <a:bodyPr rtlCol="0" anchor="ctr"/>
+          <a:lstStyle/>
+          <a:p>
+            <a:pPr algn="ctr"/>
+            <a:r>
+              <a:rPr lang="en-US" altLang="zh-CN" sz="1200" dirty="0" smtClean="0"/>
+              <a:t>Adobe SVG viewer 3.0</a:t>
+            </a:r>
+            <a:endParaRPr lang="zh-CN" altLang="en-US" sz="1200" dirty="0"/>
+          </a:p>
+        </p:txBody>
+      </p:sp>
+      <p:sp>
+        <p:nvSpPr>
+          <p:cNvPr id="5" name="矩形 4"/>
+          <p:cNvSpPr/>
+          <p:nvPr/>
+        </p:nvSpPr>
+        <p:spPr>
+          <a:xfrm>
+            <a:off x="7786710" y="4357694"/>
+            <a:ext cx="1214446" cy="357190"/>
+          </a:xfrm>
+          <a:prstGeom prst="rect">
+            <a:avLst/>
+          </a:prstGeom>
+        </p:spPr>
+        <p:style>
+          <a:lnRef idx="2">
+            <a:schemeClr val="accent1">
+              <a:shade val="50000"/>
+            </a:schemeClr>
+          </a:lnRef>
+          <a:fillRef idx="1">
+            <a:schemeClr val="accent1"/>
+          </a:fillRef>
+          <a:effectRef idx="0">
+            <a:schemeClr val="accent1"/>
+          </a:effectRef>
+          <a:fontRef idx="minor">
+            <a:schemeClr val="lt1"/>
+          </a:fontRef>
+        </p:style>
+        <p:txBody>
+          <a:bodyPr rtlCol="0" anchor="ctr"/>
+          <a:lstStyle/>
+          <a:p>
+            <a:pPr algn="ctr"/>
+            <a:r>
+              <a:rPr lang="en-US" altLang="zh-CN" sz="1200" dirty="0" smtClean="0"/>
+              <a:t>mapcontrol.js</a:t>
+            </a:r>
+            <a:endParaRPr lang="zh-CN" altLang="en-US" sz="1200" dirty="0"/>
+          </a:p>
+        </p:txBody>
+      </p:sp>
+      <p:sp>
+        <p:nvSpPr>
+          <p:cNvPr id="6" name="矩形 5"/>
+          <p:cNvSpPr/>
+          <p:nvPr/>
+        </p:nvSpPr>
+        <p:spPr>
+          <a:xfrm>
+            <a:off x="6429388" y="4357694"/>
+            <a:ext cx="1214446" cy="357190"/>
+          </a:xfrm>
+          <a:prstGeom prst="rect">
+            <a:avLst/>
+          </a:prstGeom>
+        </p:spPr>
+        <p:style>
+          <a:lnRef idx="2">
+            <a:schemeClr val="accent1">
+              <a:shade val="50000"/>
+            </a:schemeClr>
+          </a:lnRef>
+          <a:fillRef idx="1">
+            <a:schemeClr val="accent1"/>
+          </a:fillRef>
+          <a:effectRef idx="0">
+            <a:schemeClr val="accent1"/>
+          </a:effectRef>
+          <a:fontRef idx="minor">
+            <a:schemeClr val="lt1"/>
+          </a:fontRef>
+        </p:style>
+        <p:txBody>
+          <a:bodyPr rtlCol="0" anchor="ctr"/>
+          <a:lstStyle/>
+          <a:p>
+            <a:pPr algn="ctr"/>
+            <a:r>
+              <a:rPr lang="en-US" altLang="zh-CN" sz="1200" dirty="0" smtClean="0"/>
+              <a:t>mapcfd.js</a:t>
+            </a:r>
+            <a:endParaRPr lang="zh-CN" altLang="en-US" sz="1200" dirty="0"/>
+          </a:p>
+        </p:txBody>
+      </p:sp>
+      <p:sp>
+        <p:nvSpPr>
+          <p:cNvPr id="7" name="矩形 6"/>
+          <p:cNvSpPr/>
+          <p:nvPr/>
+        </p:nvSpPr>
+        <p:spPr>
+          <a:xfrm>
+            <a:off x="7786710" y="4929198"/>
+            <a:ext cx="1214446" cy="357190"/>
+          </a:xfrm>
+          <a:prstGeom prst="rect">
+            <a:avLst/>
+          </a:prstGeom>
+        </p:spPr>
+        <p:style>
+          <a:lnRef idx="2">
+            <a:schemeClr val="accent1">
+              <a:shade val="50000"/>
+            </a:schemeClr>
+          </a:lnRef>
+          <a:fillRef idx="1">
+            <a:schemeClr val="accent1"/>
+          </a:fillRef>
+          <a:effectRef idx="0">
+            <a:schemeClr val="accent1"/>
+          </a:effectRef>
+          <a:fontRef idx="minor">
+            <a:schemeClr val="lt1"/>
+          </a:fontRef>
+        </p:style>
+        <p:txBody>
+          <a:bodyPr rtlCol="0" anchor="ctr"/>
+          <a:lstStyle/>
+          <a:p>
+            <a:pPr algn="ctr"/>
+            <a:r>
+              <a:rPr lang="en-US" altLang="zh-CN" sz="1200" dirty="0" smtClean="0"/>
+              <a:t>mapapi.js</a:t>
+            </a:r>
+            <a:endParaRPr lang="zh-CN" altLang="en-US" sz="1200" dirty="0"/>
+          </a:p>
+        </p:txBody>
+      </p:sp>
+      <p:cxnSp>
+        <p:nvCxnSpPr>
+          <p:cNvPr id="9" name="直接连接符 8"/>
+          <p:cNvCxnSpPr>
+            <a:stCxn id="5" idx="2"/>
+            <a:endCxn id="7" idx="0"/>
+          </p:cNvCxnSpPr>
+          <p:nvPr/>
+        </p:nvCxnSpPr>
+        <p:spPr>
+          <a:xfrm rot="5400000">
+            <a:off x="8286776" y="4822041"/>
+            <a:ext cx="214314" cy="1588"/>
+          </a:xfrm>
+          <a:prstGeom prst="line">
+            <a:avLst/>
+          </a:prstGeom>
+          <a:ln w="76200"/>
+        </p:spPr>
+        <p:style>
+          <a:lnRef idx="1">
+            <a:schemeClr val="dk1"/>
+          </a:lnRef>
+          <a:fillRef idx="0">
+            <a:schemeClr val="dk1"/>
+          </a:fillRef>
+          <a:effectRef idx="0">
+            <a:schemeClr val="dk1"/>
+          </a:effectRef>
+          <a:fontRef idx="minor">
+            <a:schemeClr val="tx1"/>
+          </a:fontRef>
+        </p:style>
+      </p:cxnSp>
+      <p:sp>
+        <p:nvSpPr>
+          <p:cNvPr id="12" name="矩形 11"/>
+          <p:cNvSpPr/>
+          <p:nvPr/>
+        </p:nvSpPr>
+        <p:spPr>
+          <a:xfrm>
+            <a:off x="3143240" y="1000108"/>
+            <a:ext cx="2786082" cy="3857652"/>
+          </a:xfrm>
+          <a:prstGeom prst="rect">
+            <a:avLst/>
+          </a:prstGeom>
+        </p:spPr>
+        <p:style>
+          <a:lnRef idx="2">
+            <a:schemeClr val="accent3">
+              <a:shade val="50000"/>
+            </a:schemeClr>
+          </a:lnRef>
+          <a:fillRef idx="1">
+            <a:schemeClr val="accent3"/>
+          </a:fillRef>
+          <a:effectRef idx="0">
+            <a:schemeClr val="accent3"/>
+          </a:effectRef>
+          <a:fontRef idx="minor">
+            <a:schemeClr val="lt1"/>
+          </a:fontRef>
+        </p:style>
+        <p:txBody>
+          <a:bodyPr rtlCol="0" anchor="ctr"/>
+          <a:lstStyle/>
+          <a:p>
+            <a:pPr algn="ctr"/>
+            <a:endParaRPr lang="zh-CN" altLang="en-US" sz="1200">
+              <a:solidFill>
+                <a:schemeClr val="lt1"/>
+              </a:solidFill>
+            </a:endParaRPr>
+          </a:p>
+        </p:txBody>
+      </p:sp>
+      <p:sp>
+        <p:nvSpPr>
+          <p:cNvPr id="13" name="矩形 12"/>
+          <p:cNvSpPr/>
+          <p:nvPr/>
+        </p:nvSpPr>
+        <p:spPr>
+          <a:xfrm>
+            <a:off x="4286248" y="642918"/>
+            <a:ext cx="1643074" cy="357190"/>
+          </a:xfrm>
+          <a:prstGeom prst="rect">
+            <a:avLst/>
+          </a:prstGeom>
+        </p:spPr>
+        <p:style>
+          <a:lnRef idx="2">
+            <a:schemeClr val="accent3">
+              <a:shade val="50000"/>
+            </a:schemeClr>
+          </a:lnRef>
+          <a:fillRef idx="1">
+            <a:schemeClr val="accent3"/>
+          </a:fillRef>
+          <a:effectRef idx="0">
+            <a:schemeClr val="accent3"/>
+          </a:effectRef>
+          <a:fontRef idx="minor">
+            <a:schemeClr val="lt1"/>
+          </a:fontRef>
+        </p:style>
+        <p:txBody>
+          <a:bodyPr rtlCol="0" anchor="ctr"/>
+          <a:lstStyle/>
+          <a:p>
+            <a:pPr algn="ctr"/>
+            <a:r>
+              <a:rPr lang="en-US" altLang="zh-CN" sz="1200" dirty="0" smtClean="0"/>
+              <a:t>HTML</a:t>
+            </a:r>
+            <a:endParaRPr lang="zh-CN" altLang="en-US" sz="1200" dirty="0"/>
+          </a:p>
+        </p:txBody>
+      </p:sp>
+      <p:cxnSp>
+        <p:nvCxnSpPr>
+          <p:cNvPr id="15" name="直接箭头连接符 14"/>
+          <p:cNvCxnSpPr>
+            <a:stCxn id="12" idx="3"/>
+            <a:endCxn id="2" idx="1"/>
+          </p:cNvCxnSpPr>
+          <p:nvPr/>
+        </p:nvCxnSpPr>
+        <p:spPr>
+          <a:xfrm flipV="1">
+            <a:off x="5929322" y="2536025"/>
+            <a:ext cx="500066" cy="392909"/>
+          </a:xfrm>
+          <a:prstGeom prst="straightConnector1">
+            <a:avLst/>
+          </a:prstGeom>
+          <a:ln>
+            <a:headEnd type="arrow"/>
+            <a:tailEnd type="arrow"/>
+          </a:ln>
+        </p:spPr>
+        <p:style>
+          <a:lnRef idx="1">
+            <a:schemeClr val="accent1"/>
+          </a:lnRef>
+          <a:fillRef idx="0">
+            <a:schemeClr val="accent1"/>
+          </a:fillRef>
+          <a:effectRef idx="0">
+            <a:schemeClr val="accent1"/>
+          </a:effectRef>
+          <a:fontRef idx="minor">
+            <a:schemeClr val="tx1"/>
+          </a:fontRef>
+        </p:style>
+      </p:cxnSp>
+      <p:cxnSp>
+        <p:nvCxnSpPr>
+          <p:cNvPr id="17" name="直接箭头连接符 16"/>
+          <p:cNvCxnSpPr>
+            <a:endCxn id="6" idx="0"/>
+          </p:cNvCxnSpPr>
+          <p:nvPr/>
+        </p:nvCxnSpPr>
+        <p:spPr>
+          <a:xfrm rot="5400000">
+            <a:off x="7233066" y="3875488"/>
+            <a:ext cx="285752" cy="678661"/>
+          </a:xfrm>
+          <a:prstGeom prst="bentConnector3">
+            <a:avLst>
+              <a:gd name="adj1" fmla="val 50000"/>
+            </a:avLst>
+          </a:prstGeom>
+          <a:ln>
+            <a:tailEnd type="arrow"/>
+          </a:ln>
+        </p:spPr>
+        <p:style>
+          <a:lnRef idx="1">
+            <a:schemeClr val="accent1"/>
+          </a:lnRef>
+          <a:fillRef idx="0">
+            <a:schemeClr val="accent1"/>
+          </a:fillRef>
+          <a:effectRef idx="0">
+            <a:schemeClr val="accent1"/>
+          </a:effectRef>
+          <a:fontRef idx="minor">
+            <a:schemeClr val="tx1"/>
+          </a:fontRef>
+        </p:style>
+      </p:cxnSp>
+      <p:cxnSp>
+        <p:nvCxnSpPr>
+          <p:cNvPr id="19" name="肘形连接符 18"/>
+          <p:cNvCxnSpPr>
+            <a:endCxn id="5" idx="0"/>
+          </p:cNvCxnSpPr>
+          <p:nvPr/>
+        </p:nvCxnSpPr>
+        <p:spPr>
+          <a:xfrm rot="16200000" flipH="1">
+            <a:off x="7911726" y="3875487"/>
+            <a:ext cx="285752" cy="678661"/>
+          </a:xfrm>
+          <a:prstGeom prst="bentConnector3">
+            <a:avLst>
+              <a:gd name="adj1" fmla="val 50000"/>
+            </a:avLst>
+          </a:prstGeom>
+          <a:ln>
+            <a:tailEnd type="arrow"/>
+          </a:ln>
+        </p:spPr>
+        <p:style>
+          <a:lnRef idx="1">
+            <a:schemeClr val="accent1"/>
+          </a:lnRef>
+          <a:fillRef idx="0">
+            <a:schemeClr val="accent1"/>
+          </a:fillRef>
+          <a:effectRef idx="0">
+            <a:schemeClr val="accent1"/>
+          </a:effectRef>
+          <a:fontRef idx="minor">
+            <a:schemeClr val="tx1"/>
+          </a:fontRef>
+        </p:style>
+      </p:cxnSp>
+      <p:cxnSp>
+        <p:nvCxnSpPr>
+          <p:cNvPr id="23" name="形状 22"/>
+          <p:cNvCxnSpPr>
+            <a:stCxn id="12" idx="2"/>
+            <a:endCxn id="7" idx="1"/>
+          </p:cNvCxnSpPr>
+          <p:nvPr/>
+        </p:nvCxnSpPr>
+        <p:spPr>
+          <a:xfrm rot="16200000" flipH="1">
+            <a:off x="6036479" y="3357561"/>
+            <a:ext cx="250033" cy="3250429"/>
+          </a:xfrm>
+          <a:prstGeom prst="bentConnector2">
+            <a:avLst/>
+          </a:prstGeom>
+          <a:ln>
+            <a:tailEnd type="arrow"/>
+          </a:ln>
+        </p:spPr>
+        <p:style>
+          <a:lnRef idx="1">
+            <a:schemeClr val="accent1"/>
+          </a:lnRef>
+          <a:fillRef idx="0">
+            <a:schemeClr val="accent1"/>
+          </a:fillRef>
+          <a:effectRef idx="0">
+            <a:schemeClr val="accent1"/>
+          </a:effectRef>
+          <a:fontRef idx="minor">
+            <a:schemeClr val="tx1"/>
+          </a:fontRef>
+        </p:style>
+      </p:cxnSp>
+      <p:sp>
+        <p:nvSpPr>
+          <p:cNvPr id="25" name="矩形 24"/>
+          <p:cNvSpPr/>
+          <p:nvPr/>
+        </p:nvSpPr>
+        <p:spPr>
+          <a:xfrm>
+            <a:off x="428628" y="1214422"/>
+            <a:ext cx="1714480" cy="357190"/>
+          </a:xfrm>
+          <a:prstGeom prst="rect">
+            <a:avLst/>
+          </a:prstGeom>
+        </p:spPr>
+        <p:style>
+          <a:lnRef idx="2">
+            <a:schemeClr val="accent1">
+              <a:shade val="50000"/>
+            </a:schemeClr>
+          </a:lnRef>
+          <a:fillRef idx="1">
+            <a:schemeClr val="accent1"/>
+          </a:fillRef>
+          <a:effectRef idx="0">
+            <a:schemeClr val="accent1"/>
+          </a:effectRef>
+          <a:fontRef idx="minor">
+            <a:schemeClr val="lt1"/>
+          </a:fontRef>
+        </p:style>
+        <p:txBody>
+          <a:bodyPr rtlCol="0" anchor="ctr"/>
+          <a:lstStyle/>
+          <a:p>
+            <a:r>
+              <a:rPr lang="zh-CN" altLang="en-US" sz="1400" dirty="0" smtClean="0"/>
+              <a:t>垛位地图</a:t>
+            </a:r>
+            <a:endParaRPr lang="zh-CN" altLang="en-US" sz="1400" dirty="0"/>
+          </a:p>
+        </p:txBody>
+      </p:sp>
+      <p:sp>
+        <p:nvSpPr>
+          <p:cNvPr id="26" name="矩形 25"/>
+          <p:cNvSpPr/>
+          <p:nvPr/>
+        </p:nvSpPr>
+        <p:spPr>
+          <a:xfrm>
+            <a:off x="428628" y="1714488"/>
+            <a:ext cx="1714480" cy="357190"/>
+          </a:xfrm>
+          <a:prstGeom prst="rect">
+            <a:avLst/>
+          </a:prstGeom>
+        </p:spPr>
+        <p:style>
+          <a:lnRef idx="2">
+            <a:schemeClr val="accent1">
+              <a:shade val="50000"/>
+            </a:schemeClr>
+          </a:lnRef>
+          <a:fillRef idx="1">
+            <a:schemeClr val="accent1"/>
+          </a:fillRef>
+          <a:effectRef idx="0">
+            <a:schemeClr val="accent1"/>
+          </a:effectRef>
+          <a:fontRef idx="minor">
+            <a:schemeClr val="lt1"/>
+          </a:fontRef>
+        </p:style>
+        <p:txBody>
+          <a:bodyPr rtlCol="0" anchor="ctr"/>
+          <a:lstStyle/>
+          <a:p>
+            <a:r>
+              <a:rPr lang="zh-CN" altLang="en-US" sz="1400" dirty="0" smtClean="0"/>
+              <a:t>垛位业务信息</a:t>
+            </a:r>
+            <a:endParaRPr lang="zh-CN" altLang="en-US" sz="1400" dirty="0"/>
+          </a:p>
+        </p:txBody>
+      </p:sp>
+      <p:sp>
+        <p:nvSpPr>
+          <p:cNvPr id="27" name="矩形 26"/>
+          <p:cNvSpPr/>
+          <p:nvPr/>
+        </p:nvSpPr>
+        <p:spPr>
+          <a:xfrm>
+            <a:off x="428628" y="2285992"/>
+            <a:ext cx="1714480" cy="357190"/>
+          </a:xfrm>
+          <a:prstGeom prst="rect">
+            <a:avLst/>
+          </a:prstGeom>
+        </p:spPr>
+        <p:style>
+          <a:lnRef idx="2">
+            <a:schemeClr val="accent1">
+              <a:shade val="50000"/>
+            </a:schemeClr>
+          </a:lnRef>
+          <a:fillRef idx="1">
+            <a:schemeClr val="accent1"/>
+          </a:fillRef>
+          <a:effectRef idx="0">
+            <a:schemeClr val="accent1"/>
+          </a:effectRef>
+          <a:fontRef idx="minor">
+            <a:schemeClr val="lt1"/>
+          </a:fontRef>
+        </p:style>
+        <p:txBody>
+          <a:bodyPr rtlCol="0" anchor="ctr"/>
+          <a:lstStyle/>
+          <a:p>
+            <a:r>
+              <a:rPr lang="zh-CN" altLang="en-US" sz="1400" dirty="0" smtClean="0"/>
+              <a:t>全部车辆即时位置</a:t>
+            </a:r>
+            <a:endParaRPr lang="zh-CN" altLang="en-US" sz="1400" dirty="0"/>
+          </a:p>
+        </p:txBody>
+      </p:sp>
+      <p:sp>
+        <p:nvSpPr>
+          <p:cNvPr id="28" name="矩形 27"/>
+          <p:cNvSpPr/>
+          <p:nvPr/>
+        </p:nvSpPr>
+        <p:spPr>
+          <a:xfrm>
+            <a:off x="428628" y="3643314"/>
+            <a:ext cx="1714480" cy="357190"/>
+          </a:xfrm>
+          <a:prstGeom prst="rect">
+            <a:avLst/>
+          </a:prstGeom>
+        </p:spPr>
+        <p:style>
+          <a:lnRef idx="2">
+            <a:schemeClr val="accent1">
+              <a:shade val="50000"/>
+            </a:schemeClr>
+          </a:lnRef>
+          <a:fillRef idx="1">
+            <a:schemeClr val="accent1"/>
+          </a:fillRef>
+          <a:effectRef idx="0">
+            <a:schemeClr val="accent1"/>
+          </a:effectRef>
+          <a:fontRef idx="minor">
+            <a:schemeClr val="lt1"/>
+          </a:fontRef>
+        </p:style>
+        <p:txBody>
+          <a:bodyPr rtlCol="0" anchor="ctr"/>
+          <a:lstStyle/>
+          <a:p>
+            <a:r>
+              <a:rPr lang="zh-CN" altLang="en-US" sz="1400" dirty="0" smtClean="0"/>
+              <a:t>垛位更新</a:t>
+            </a:r>
+            <a:endParaRPr lang="zh-CN" altLang="en-US" sz="1400" dirty="0"/>
+          </a:p>
+        </p:txBody>
+      </p:sp>
+      <p:sp>
+        <p:nvSpPr>
+          <p:cNvPr id="29" name="矩形 28"/>
+          <p:cNvSpPr/>
+          <p:nvPr/>
+        </p:nvSpPr>
+        <p:spPr>
+          <a:xfrm>
+            <a:off x="4572000" y="3643314"/>
+            <a:ext cx="1214446" cy="285752"/>
+          </a:xfrm>
+          <a:prstGeom prst="rect">
+            <a:avLst/>
+          </a:prstGeom>
+        </p:spPr>
+        <p:style>
+          <a:lnRef idx="2">
+            <a:schemeClr val="accent1">
+              <a:shade val="50000"/>
+            </a:schemeClr>
+          </a:lnRef>
+          <a:fillRef idx="1">
+            <a:schemeClr val="accent1"/>
+          </a:fillRef>
+          <a:effectRef idx="0">
+            <a:schemeClr val="accent1"/>
+          </a:effectRef>
+          <a:fontRef idx="minor">
+            <a:schemeClr val="lt1"/>
+          </a:fontRef>
+        </p:style>
+        <p:txBody>
+          <a:bodyPr rtlCol="0" anchor="ctr"/>
+          <a:lstStyle/>
+          <a:p>
+            <a:r>
+              <a:rPr lang="zh-CN" altLang="en-US" sz="1600" dirty="0" smtClean="0"/>
+              <a:t>垛位过滤</a:t>
+            </a:r>
+            <a:endParaRPr lang="zh-CN" altLang="en-US" sz="1600" dirty="0"/>
+          </a:p>
+        </p:txBody>
+      </p:sp>
+      <p:sp>
+        <p:nvSpPr>
+          <p:cNvPr id="31" name="矩形 30"/>
+          <p:cNvSpPr/>
+          <p:nvPr/>
+        </p:nvSpPr>
+        <p:spPr>
+          <a:xfrm>
+            <a:off x="428628" y="2643182"/>
+            <a:ext cx="1714480" cy="357190"/>
+          </a:xfrm>
+          <a:prstGeom prst="rect">
+            <a:avLst/>
+          </a:prstGeom>
+        </p:spPr>
+        <p:style>
+          <a:lnRef idx="2">
+            <a:schemeClr val="accent1">
+              <a:shade val="50000"/>
+            </a:schemeClr>
+          </a:lnRef>
+          <a:fillRef idx="1">
+            <a:schemeClr val="accent1"/>
+          </a:fillRef>
+          <a:effectRef idx="0">
+            <a:schemeClr val="accent1"/>
+          </a:effectRef>
+          <a:fontRef idx="minor">
+            <a:schemeClr val="lt1"/>
+          </a:fontRef>
+        </p:style>
+        <p:txBody>
+          <a:bodyPr rtlCol="0" anchor="ctr"/>
+          <a:lstStyle/>
+          <a:p>
+            <a:r>
+              <a:rPr lang="zh-CN" altLang="en-US" sz="1400" dirty="0" smtClean="0"/>
+              <a:t>最新车辆位置异动</a:t>
+            </a:r>
+            <a:endParaRPr lang="zh-CN" altLang="en-US" sz="1400" dirty="0"/>
+          </a:p>
+        </p:txBody>
+      </p:sp>
+      <p:sp>
+        <p:nvSpPr>
+          <p:cNvPr id="33" name="矩形 32"/>
+          <p:cNvSpPr/>
+          <p:nvPr/>
+        </p:nvSpPr>
+        <p:spPr>
+          <a:xfrm>
+            <a:off x="3357554" y="5572140"/>
+            <a:ext cx="1214446" cy="357190"/>
+          </a:xfrm>
+          <a:prstGeom prst="rect">
+            <a:avLst/>
+          </a:prstGeom>
+        </p:spPr>
+        <p:style>
+          <a:lnRef idx="2">
+            <a:schemeClr val="accent1">
+              <a:shade val="50000"/>
+            </a:schemeClr>
+          </a:lnRef>
+          <a:fillRef idx="1">
+            <a:schemeClr val="accent1"/>
+          </a:fillRef>
+          <a:effectRef idx="0">
+            <a:schemeClr val="accent1"/>
+          </a:effectRef>
+          <a:fontRef idx="minor">
+            <a:schemeClr val="lt1"/>
+          </a:fontRef>
+        </p:style>
+        <p:txBody>
+          <a:bodyPr rtlCol="0" anchor="ctr"/>
+          <a:lstStyle/>
+          <a:p>
+            <a:pPr algn="ctr"/>
+            <a:r>
+              <a:rPr lang="en-US" altLang="zh-CN" sz="1200" dirty="0" smtClean="0"/>
+              <a:t>dttree.js</a:t>
+            </a:r>
+            <a:endParaRPr lang="zh-CN" altLang="en-US" sz="1200" dirty="0"/>
+          </a:p>
+        </p:txBody>
+      </p:sp>
+      <p:sp>
+        <p:nvSpPr>
+          <p:cNvPr id="36" name="矩形 35"/>
+          <p:cNvSpPr/>
+          <p:nvPr/>
+        </p:nvSpPr>
+        <p:spPr>
+          <a:xfrm>
+            <a:off x="4572000" y="4071942"/>
+            <a:ext cx="1214446" cy="285752"/>
+          </a:xfrm>
+          <a:prstGeom prst="rect">
+            <a:avLst/>
+          </a:prstGeom>
+        </p:spPr>
+        <p:style>
+          <a:lnRef idx="2">
+            <a:schemeClr val="accent1">
+              <a:shade val="50000"/>
+            </a:schemeClr>
+          </a:lnRef>
+          <a:fillRef idx="1">
+            <a:schemeClr val="accent1"/>
+          </a:fillRef>
+          <a:effectRef idx="0">
+            <a:schemeClr val="accent1"/>
+          </a:effectRef>
+          <a:fontRef idx="minor">
+            <a:schemeClr val="lt1"/>
+          </a:fontRef>
+        </p:style>
+        <p:txBody>
+          <a:bodyPr rtlCol="0" anchor="ctr"/>
+          <a:lstStyle/>
+          <a:p>
+            <a:r>
+              <a:rPr lang="zh-CN" altLang="en-US" sz="1600" dirty="0" smtClean="0"/>
+              <a:t>车辆过滤</a:t>
+            </a:r>
+            <a:endParaRPr lang="zh-CN" altLang="en-US" sz="1600" dirty="0"/>
+          </a:p>
+        </p:txBody>
+      </p:sp>
+      <p:sp>
+        <p:nvSpPr>
+          <p:cNvPr id="37" name="矩形 36"/>
+          <p:cNvSpPr/>
+          <p:nvPr/>
+        </p:nvSpPr>
+        <p:spPr>
+          <a:xfrm>
+            <a:off x="4572000" y="3286124"/>
+            <a:ext cx="1214446" cy="285752"/>
+          </a:xfrm>
+          <a:prstGeom prst="rect">
+            <a:avLst/>
+          </a:prstGeom>
+        </p:spPr>
+        <p:style>
+          <a:lnRef idx="2">
+            <a:schemeClr val="accent1">
+              <a:shade val="50000"/>
+            </a:schemeClr>
+          </a:lnRef>
+          <a:fillRef idx="1">
+            <a:schemeClr val="accent1"/>
+          </a:fillRef>
+          <a:effectRef idx="0">
+            <a:schemeClr val="accent1"/>
+          </a:effectRef>
+          <a:fontRef idx="minor">
+            <a:schemeClr val="lt1"/>
+          </a:fontRef>
+        </p:style>
+        <p:txBody>
+          <a:bodyPr rtlCol="0" anchor="ctr"/>
+          <a:lstStyle/>
+          <a:p>
+            <a:r>
+              <a:rPr lang="zh-CN" altLang="en-US" sz="1600" dirty="0" smtClean="0"/>
+              <a:t>图层过滤</a:t>
+            </a:r>
+            <a:endParaRPr lang="zh-CN" altLang="en-US" sz="1600" dirty="0"/>
+          </a:p>
+        </p:txBody>
+      </p:sp>
+      <p:sp>
+        <p:nvSpPr>
+          <p:cNvPr id="38" name="矩形 37"/>
+          <p:cNvSpPr/>
+          <p:nvPr/>
+        </p:nvSpPr>
+        <p:spPr>
+          <a:xfrm>
+            <a:off x="3357554" y="3643314"/>
+            <a:ext cx="1214446" cy="285752"/>
+          </a:xfrm>
+          <a:prstGeom prst="rect">
+            <a:avLst/>
+          </a:prstGeom>
+        </p:spPr>
+        <p:style>
+          <a:lnRef idx="2">
+            <a:schemeClr val="accent1">
+              <a:shade val="50000"/>
+            </a:schemeClr>
+          </a:lnRef>
+          <a:fillRef idx="1">
+            <a:schemeClr val="accent1"/>
+          </a:fillRef>
+          <a:effectRef idx="0">
+            <a:schemeClr val="accent1"/>
+          </a:effectRef>
+          <a:fontRef idx="minor">
+            <a:schemeClr val="lt1"/>
+          </a:fontRef>
+        </p:style>
+        <p:txBody>
+          <a:bodyPr rtlCol="0" anchor="ctr"/>
+          <a:lstStyle/>
+          <a:p>
+            <a:r>
+              <a:rPr lang="zh-CN" altLang="en-US" sz="1600" dirty="0" smtClean="0"/>
+              <a:t>垛位更新</a:t>
+            </a:r>
+            <a:endParaRPr lang="zh-CN" altLang="en-US" sz="1600" dirty="0"/>
+          </a:p>
+        </p:txBody>
+      </p:sp>
+      <p:sp>
+        <p:nvSpPr>
+          <p:cNvPr id="44" name="矩形 43"/>
+          <p:cNvSpPr/>
+          <p:nvPr/>
+        </p:nvSpPr>
+        <p:spPr>
+          <a:xfrm>
+            <a:off x="1285852" y="642918"/>
+            <a:ext cx="1643074" cy="357190"/>
+          </a:xfrm>
+          <a:prstGeom prst="rect">
+            <a:avLst/>
+          </a:prstGeom>
+        </p:spPr>
+        <p:style>
+          <a:lnRef idx="2">
+            <a:schemeClr val="accent3">
+              <a:shade val="50000"/>
+            </a:schemeClr>
+          </a:lnRef>
+          <a:fillRef idx="1">
+            <a:schemeClr val="accent3"/>
+          </a:fillRef>
+          <a:effectRef idx="0">
+            <a:schemeClr val="accent3"/>
+          </a:effectRef>
+          <a:fontRef idx="minor">
+            <a:schemeClr val="lt1"/>
+          </a:fontRef>
+        </p:style>
+        <p:txBody>
+          <a:bodyPr rtlCol="0" anchor="ctr"/>
+          <a:lstStyle/>
+          <a:p>
+            <a:pPr algn="ctr"/>
+            <a:r>
+              <a:rPr lang="en-US" altLang="zh-CN" sz="1200" smtClean="0"/>
+              <a:t>PHP</a:t>
+            </a:r>
+            <a:endParaRPr lang="zh-CN" altLang="en-US" sz="1200" dirty="0"/>
           </a:p>
         </p:txBody>
       </p:sp>
@@ -4796,4 +6689,287 @@
   <a:objectDefaults/>
   <a:extraClrSchemeLst/>
 </a:theme>
+</file>
+
+<file path=ppt/theme/theme2.xml><?xml version="1.0" encoding="utf-8"?>
+<a:theme xmlns:a="http://schemas.openxmlformats.org/drawingml/2006/main" name="Office 主题">
+  <a:themeElements>
+    <a:clrScheme name="Office">
+      <a:dk1>
+        <a:sysClr val="windowText" lastClr="000000"/>
+      </a:dk1>
+      <a:lt1>
+        <a:sysClr val="window" lastClr="FFFFFF"/>
+      </a:lt1>
+      <a:dk2>
+        <a:srgbClr val="1F497D"/>
+      </a:dk2>
+      <a:lt2>
+        <a:srgbClr val="EEECE1"/>
+      </a:lt2>
+      <a:accent1>
+        <a:srgbClr val="4F81BD"/>
+      </a:accent1>
+      <a:accent2>
+        <a:srgbClr val="C0504D"/>
+      </a:accent2>
+      <a:accent3>
+        <a:srgbClr val="9BBB59"/>
+      </a:accent3>
+      <a:accent4>
+        <a:srgbClr val="8064A2"/>
+      </a:accent4>
+      <a:accent5>
+        <a:srgbClr val="4BACC6"/>
+      </a:accent5>
+      <a:accent6>
+        <a:srgbClr val="F79646"/>
+      </a:accent6>
+      <a:hlink>
+        <a:srgbClr val="0000FF"/>
+      </a:hlink>
+      <a:folHlink>
+        <a:srgbClr val="800080"/>
+      </a:folHlink>
+    </a:clrScheme>
+    <a:fontScheme name="Office">
+      <a:majorFont>
+        <a:latin typeface="Calibri"/>
+        <a:ea typeface=""/>
+        <a:cs typeface=""/>
+        <a:font script="Jpan" typeface="ＭＳ Ｐゴシック"/>
+        <a:font script="Hang" typeface="맑은 고딕"/>
+        <a:font script="Hans" typeface="宋体"/>
+        <a:font script="Hant" typeface="新細明體"/>
+        <a:font script="Arab" typeface="Times New Roman"/>
+        <a:font script="Hebr" typeface="Times New Roman"/>
+        <a:font script="Thai" typeface="Angsana New"/>
+        <a:font script="Ethi" typeface="Nyala"/>
+        <a:font script="Beng" typeface="Vrinda"/>
+        <a:font script="Gujr" typeface="Shruti"/>
+        <a:font script="Khmr" typeface="MoolBoran"/>
+        <a:font script="Knda" typeface="Tunga"/>
+        <a:font script="Guru" typeface="Raavi"/>
+        <a:font script="Cans" typeface="Euphemia"/>
+        <a:font script="Cher" typeface="Plantagenet Cherokee"/>
+        <a:font script="Yiii" typeface="Microsoft Yi Baiti"/>
+        <a:font script="Tibt" typeface="Microsoft Himalaya"/>
+        <a:font script="Thaa" typeface="MV Boli"/>
+        <a:font script="Deva" typeface="Mangal"/>
+        <a:font script="Telu" typeface="Gautami"/>
+        <a:font script="Taml" typeface="Latha"/>
+        <a:font script="Syrc" typeface="Estrangelo Edessa"/>
+        <a:font script="Orya" typeface="Kalinga"/>
+        <a:font script="Mlym" typeface="Kartika"/>
+        <a:font script="Laoo" typeface="DokChampa"/>
+        <a:font script="Sinh" typeface="Iskoola Pota"/>
+        <a:font script="Mong" typeface="Mongolian Baiti"/>
+        <a:font script="Viet" typeface="Times New Roman"/>
+        <a:font script="Uigh" typeface="Microsoft Uighur"/>
+      </a:majorFont>
+      <a:minorFont>
+        <a:latin typeface="Calibri"/>
+        <a:ea typeface=""/>
+        <a:cs typeface=""/>
+        <a:font script="Jpan" typeface="ＭＳ Ｐゴシック"/>
+        <a:font script="Hang" typeface="맑은 고딕"/>
+        <a:font script="Hans" typeface="宋体"/>
+        <a:font script="Hant" typeface="新細明體"/>
+        <a:font script="Arab" typeface="Arial"/>
+        <a:font script="Hebr" typeface="Arial"/>
+        <a:font script="Thai" typeface="Cordia New"/>
+        <a:font script="Ethi" typeface="Nyala"/>
+        <a:font script="Beng" typeface="Vrinda"/>
+        <a:font script="Gujr" typeface="Shruti"/>
+        <a:font script="Khmr" typeface="DaunPenh"/>
+        <a:font script="Knda" typeface="Tunga"/>
+        <a:font script="Guru" typeface="Raavi"/>
+        <a:font script="Cans" typeface="Euphemia"/>
+        <a:font script="Cher" typeface="Plantagenet Cherokee"/>
+        <a:font script="Yiii" typeface="Microsoft Yi Baiti"/>
+        <a:font script="Tibt" typeface="Microsoft Himalaya"/>
+        <a:font script="Thaa" typeface="MV Boli"/>
+        <a:font script="Deva" typeface="Mangal"/>
+        <a:font script="Telu" typeface="Gautami"/>
+        <a:font script="Taml" typeface="Latha"/>
+        <a:font script="Syrc" typeface="Estrangelo Edessa"/>
+        <a:font script="Orya" typeface="Kalinga"/>
+        <a:font script="Mlym" typeface="Kartika"/>
+        <a:font script="Laoo" typeface="DokChampa"/>
+        <a:font script="Sinh" typeface="Iskoola Pota"/>
+        <a:font script="Mong" typeface="Mongolian Baiti"/>
+        <a:font script="Viet" typeface="Arial"/>
+        <a:font script="Uigh" typeface="Microsoft Uighur"/>
+      </a:minorFont>
+    </a:fontScheme>
+    <a:fmtScheme name="Office">
+      <a:fillStyleLst>
+        <a:solidFill>
+          <a:schemeClr val="phClr"/>
+        </a:solidFill>
+        <a:gradFill rotWithShape="1">
+          <a:gsLst>
+            <a:gs pos="0">
+              <a:schemeClr val="phClr">
+                <a:tint val="50000"/>
+                <a:satMod val="300000"/>
+              </a:schemeClr>
+            </a:gs>
+            <a:gs pos="35000">
+              <a:schemeClr val="phClr">
+                <a:tint val="37000"/>
+                <a:satMod val="300000"/>
+              </a:schemeClr>
+            </a:gs>
+            <a:gs pos="100000">
+              <a:schemeClr val="phClr">
+                <a:tint val="15000"/>
+                <a:satMod val="350000"/>
+              </a:schemeClr>
+            </a:gs>
+          </a:gsLst>
+          <a:lin ang="16200000" scaled="1"/>
+        </a:gradFill>
+        <a:gradFill rotWithShape="1">
+          <a:gsLst>
+            <a:gs pos="0">
+              <a:schemeClr val="phClr">
+                <a:shade val="51000"/>
+                <a:satMod val="130000"/>
+              </a:schemeClr>
+            </a:gs>
+            <a:gs pos="80000">
+              <a:schemeClr val="phClr">
+                <a:shade val="93000"/>
+                <a:satMod val="130000"/>
+              </a:schemeClr>
+            </a:gs>
+            <a:gs pos="100000">
+              <a:schemeClr val="phClr">
+                <a:shade val="94000"/>
+                <a:satMod val="135000"/>
+              </a:schemeClr>
+            </a:gs>
+          </a:gsLst>
+          <a:lin ang="16200000" scaled="0"/>
+        </a:gradFill>
+      </a:fillStyleLst>
+      <a:lnStyleLst>
+        <a:ln w="9525" cap="flat" cmpd="sng" algn="ctr">
+          <a:solidFill>
+            <a:schemeClr val="phClr">
+              <a:shade val="95000"/>
+              <a:satMod val="105000"/>
+            </a:schemeClr>
+          </a:solidFill>
+          <a:prstDash val="solid"/>
+        </a:ln>
+        <a:ln w="25400" cap="flat" cmpd="sng" algn="ctr">
+          <a:solidFill>
+            <a:schemeClr val="phClr"/>
+          </a:solidFill>
+          <a:prstDash val="solid"/>
+        </a:ln>
+        <a:ln w="38100" cap="flat" cmpd="sng" algn="ctr">
+          <a:solidFill>
+            <a:schemeClr val="phClr"/>
+          </a:solidFill>
+          <a:prstDash val="solid"/>
+        </a:ln>
+      </a:lnStyleLst>
+      <a:effectStyleLst>
+        <a:effectStyle>
+          <a:effectLst>
+            <a:outerShdw blurRad="40000" dist="20000" dir="5400000" rotWithShape="0">
+              <a:srgbClr val="000000">
+                <a:alpha val="38000"/>
+              </a:srgbClr>
+            </a:outerShdw>
+          </a:effectLst>
+        </a:effectStyle>
+        <a:effectStyle>
+          <a:effectLst>
+            <a:outerShdw blurRad="40000" dist="23000" dir="5400000" rotWithShape="0">
+              <a:srgbClr val="000000">
+                <a:alpha val="35000"/>
+              </a:srgbClr>
+            </a:outerShdw>
+          </a:effectLst>
+        </a:effectStyle>
+        <a:effectStyle>
+          <a:effectLst>
+            <a:outerShdw blurRad="40000" dist="23000" dir="5400000" rotWithShape="0">
+              <a:srgbClr val="000000">
+                <a:alpha val="35000"/>
+              </a:srgbClr>
+            </a:outerShdw>
+          </a:effectLst>
+          <a:scene3d>
+            <a:camera prst="orthographicFront">
+              <a:rot lat="0" lon="0" rev="0"/>
+            </a:camera>
+            <a:lightRig rig="threePt" dir="t">
+              <a:rot lat="0" lon="0" rev="1200000"/>
+            </a:lightRig>
+          </a:scene3d>
+          <a:sp3d>
+            <a:bevelT w="63500" h="25400"/>
+          </a:sp3d>
+        </a:effectStyle>
+      </a:effectStyleLst>
+      <a:bgFillStyleLst>
+        <a:solidFill>
+          <a:schemeClr val="phClr"/>
+        </a:solidFill>
+        <a:gradFill rotWithShape="1">
+          <a:gsLst>
+            <a:gs pos="0">
+              <a:schemeClr val="phClr">
+                <a:tint val="40000"/>
+                <a:satMod val="350000"/>
+              </a:schemeClr>
+            </a:gs>
+            <a:gs pos="40000">
+              <a:schemeClr val="phClr">
+                <a:tint val="45000"/>
+                <a:shade val="99000"/>
+                <a:satMod val="350000"/>
+              </a:schemeClr>
+            </a:gs>
+            <a:gs pos="100000">
+              <a:schemeClr val="phClr">
+                <a:shade val="20000"/>
+                <a:satMod val="255000"/>
+              </a:schemeClr>
+            </a:gs>
+          </a:gsLst>
+          <a:path path="circle">
+            <a:fillToRect l="50000" t="-80000" r="50000" b="180000"/>
+          </a:path>
+        </a:gradFill>
+        <a:gradFill rotWithShape="1">
+          <a:gsLst>
+            <a:gs pos="0">
+              <a:schemeClr val="phClr">
+                <a:tint val="80000"/>
+                <a:satMod val="300000"/>
+              </a:schemeClr>
+            </a:gs>
+            <a:gs pos="100000">
+              <a:schemeClr val="phClr">
+                <a:shade val="30000"/>
+                <a:satMod val="200000"/>
+              </a:schemeClr>
+            </a:gs>
+          </a:gsLst>
+          <a:path path="circle">
+            <a:fillToRect l="50000" t="50000" r="50000" b="50000"/>
+          </a:path>
+        </a:gradFill>
+      </a:bgFillStyleLst>
+    </a:fmtScheme>
+  </a:themeElements>
+  <a:objectDefaults/>
+  <a:extraClrSchemeLst/>
+</a:theme>
 </file>